--- a/imgs/studentorg/comparative/comparative.pptx
+++ b/imgs/studentorg/comparative/comparative.pptx
@@ -295,7 +295,7 @@
           <a:p>
             <a:fld id="{2A5BBFDC-1F7C-4017-A380-B0D4E6AE5EE0}" type="datetimeFigureOut">
               <a:rPr lang="en-US" smtClean="0"/>
-              <a:t>1/27/2019</a:t>
+              <a:t>1/28/2019</a:t>
             </a:fld>
             <a:endParaRPr lang="en-US"/>
           </a:p>
@@ -465,7 +465,7 @@
           <a:p>
             <a:fld id="{2A5BBFDC-1F7C-4017-A380-B0D4E6AE5EE0}" type="datetimeFigureOut">
               <a:rPr lang="en-US" smtClean="0"/>
-              <a:t>1/27/2019</a:t>
+              <a:t>1/28/2019</a:t>
             </a:fld>
             <a:endParaRPr lang="en-US"/>
           </a:p>
@@ -645,7 +645,7 @@
           <a:p>
             <a:fld id="{2A5BBFDC-1F7C-4017-A380-B0D4E6AE5EE0}" type="datetimeFigureOut">
               <a:rPr lang="en-US" smtClean="0"/>
-              <a:t>1/27/2019</a:t>
+              <a:t>1/28/2019</a:t>
             </a:fld>
             <a:endParaRPr lang="en-US"/>
           </a:p>
@@ -815,7 +815,7 @@
           <a:p>
             <a:fld id="{2A5BBFDC-1F7C-4017-A380-B0D4E6AE5EE0}" type="datetimeFigureOut">
               <a:rPr lang="en-US" smtClean="0"/>
-              <a:t>1/27/2019</a:t>
+              <a:t>1/28/2019</a:t>
             </a:fld>
             <a:endParaRPr lang="en-US"/>
           </a:p>
@@ -1061,7 +1061,7 @@
           <a:p>
             <a:fld id="{2A5BBFDC-1F7C-4017-A380-B0D4E6AE5EE0}" type="datetimeFigureOut">
               <a:rPr lang="en-US" smtClean="0"/>
-              <a:t>1/27/2019</a:t>
+              <a:t>1/28/2019</a:t>
             </a:fld>
             <a:endParaRPr lang="en-US"/>
           </a:p>
@@ -1349,7 +1349,7 @@
           <a:p>
             <a:fld id="{2A5BBFDC-1F7C-4017-A380-B0D4E6AE5EE0}" type="datetimeFigureOut">
               <a:rPr lang="en-US" smtClean="0"/>
-              <a:t>1/27/2019</a:t>
+              <a:t>1/28/2019</a:t>
             </a:fld>
             <a:endParaRPr lang="en-US"/>
           </a:p>
@@ -1771,7 +1771,7 @@
           <a:p>
             <a:fld id="{2A5BBFDC-1F7C-4017-A380-B0D4E6AE5EE0}" type="datetimeFigureOut">
               <a:rPr lang="en-US" smtClean="0"/>
-              <a:t>1/27/2019</a:t>
+              <a:t>1/28/2019</a:t>
             </a:fld>
             <a:endParaRPr lang="en-US"/>
           </a:p>
@@ -1889,7 +1889,7 @@
           <a:p>
             <a:fld id="{2A5BBFDC-1F7C-4017-A380-B0D4E6AE5EE0}" type="datetimeFigureOut">
               <a:rPr lang="en-US" smtClean="0"/>
-              <a:t>1/27/2019</a:t>
+              <a:t>1/28/2019</a:t>
             </a:fld>
             <a:endParaRPr lang="en-US"/>
           </a:p>
@@ -1984,7 +1984,7 @@
           <a:p>
             <a:fld id="{2A5BBFDC-1F7C-4017-A380-B0D4E6AE5EE0}" type="datetimeFigureOut">
               <a:rPr lang="en-US" smtClean="0"/>
-              <a:t>1/27/2019</a:t>
+              <a:t>1/28/2019</a:t>
             </a:fld>
             <a:endParaRPr lang="en-US"/>
           </a:p>
@@ -2261,7 +2261,7 @@
           <a:p>
             <a:fld id="{2A5BBFDC-1F7C-4017-A380-B0D4E6AE5EE0}" type="datetimeFigureOut">
               <a:rPr lang="en-US" smtClean="0"/>
-              <a:t>1/27/2019</a:t>
+              <a:t>1/28/2019</a:t>
             </a:fld>
             <a:endParaRPr lang="en-US"/>
           </a:p>
@@ -2514,7 +2514,7 @@
           <a:p>
             <a:fld id="{2A5BBFDC-1F7C-4017-A380-B0D4E6AE5EE0}" type="datetimeFigureOut">
               <a:rPr lang="en-US" smtClean="0"/>
-              <a:t>1/27/2019</a:t>
+              <a:t>1/28/2019</a:t>
             </a:fld>
             <a:endParaRPr lang="en-US"/>
           </a:p>
@@ -2730,7 +2730,7 @@
           <a:p>
             <a:fld id="{2A5BBFDC-1F7C-4017-A380-B0D4E6AE5EE0}" type="datetimeFigureOut">
               <a:rPr lang="en-US" smtClean="0"/>
-              <a:t>1/27/2019</a:t>
+              <a:t>1/28/2019</a:t>
             </a:fld>
             <a:endParaRPr lang="en-US"/>
           </a:p>
@@ -9740,16 +9740,7 @@
                           </a:solidFill>
                           <a:latin typeface="Lato" panose="020F0502020204030203" pitchFamily="34" charset="0"/>
                         </a:rPr>
-                        <a:t>Email, social media, online </a:t>
-                      </a:r>
-                      <a:r>
-                        <a:rPr lang="en-US" sz="1800" b="0" dirty="0" smtClean="0">
-                          <a:solidFill>
-                            <a:srgbClr val="2A0C4E"/>
-                          </a:solidFill>
-                          <a:latin typeface="Lato" panose="020F0502020204030203" pitchFamily="34" charset="0"/>
-                        </a:rPr>
-                        <a:t>form</a:t>
+                        <a:t>Email, social media, online form</a:t>
                       </a:r>
                       <a:r>
                         <a:rPr lang="en-US" sz="1800" b="0" baseline="0" dirty="0" smtClean="0">
@@ -14453,7 +14444,7 @@
           <p:nvPr>
             <p:extLst>
               <p:ext uri="{D42A27DB-BD31-4B8C-83A1-F6EECF244321}">
-                <p14:modId xmlns:p14="http://schemas.microsoft.com/office/powerpoint/2010/main" val="1038096011"/>
+                <p14:modId xmlns:p14="http://schemas.microsoft.com/office/powerpoint/2010/main" val="3122275700"/>
               </p:ext>
             </p:extLst>
           </p:nvPr>
@@ -15527,8 +15518,32 @@
                         <a:rPr lang="en-US" sz="1800" b="0" dirty="0" smtClean="0">
                           <a:latin typeface="Lato" panose="020F0502020204030203" pitchFamily="34" charset="0"/>
                         </a:rPr>
+                        <a:t>Should be</a:t>
+                      </a:r>
+                      <a:r>
+                        <a:rPr lang="en-US" sz="1800" b="0" baseline="0" dirty="0" smtClean="0">
+                          <a:latin typeface="Lato" panose="020F0502020204030203" pitchFamily="34" charset="0"/>
+                        </a:rPr>
+                        <a:t> easy to find</a:t>
+                      </a:r>
+                      <a:endParaRPr lang="en-US" sz="1800" b="0" dirty="0" smtClean="0">
+                        <a:latin typeface="Lato" panose="020F0502020204030203" pitchFamily="34" charset="0"/>
+                      </a:endParaRPr>
+                    </a:p>
+                    <a:p>
+                      <a:pPr marL="285750" indent="-285750" algn="l">
+                        <a:buFont typeface="Arial" panose="020B0604020202020204" pitchFamily="34" charset="0"/>
+                        <a:buChar char="•"/>
+                      </a:pPr>
+                      <a:r>
+                        <a:rPr lang="en-US" sz="1800" b="0" dirty="0" smtClean="0">
+                          <a:latin typeface="Lato" panose="020F0502020204030203" pitchFamily="34" charset="0"/>
+                        </a:rPr>
                         <a:t>Digitize</a:t>
                       </a:r>
+                      <a:endParaRPr lang="en-US" sz="1800" b="0" dirty="0" smtClean="0">
+                        <a:latin typeface="Lato" panose="020F0502020204030203" pitchFamily="34" charset="0"/>
+                      </a:endParaRPr>
                     </a:p>
                     <a:p>
                       <a:pPr marL="285750" indent="-285750" algn="l">
@@ -15630,13 +15645,19 @@
                         <a:rPr lang="en-US" sz="1800" b="0" dirty="0" smtClean="0">
                           <a:latin typeface="Lato" panose="020F0502020204030203" pitchFamily="34" charset="0"/>
                         </a:rPr>
-                        <a:t>Events</a:t>
+                        <a:t>Event</a:t>
                       </a:r>
                       <a:r>
                         <a:rPr lang="en-US" sz="1800" b="0" baseline="0" dirty="0" smtClean="0">
                           <a:latin typeface="Lato" panose="020F0502020204030203" pitchFamily="34" charset="0"/>
                         </a:rPr>
-                        <a:t> information</a:t>
+                        <a:t> </a:t>
+                      </a:r>
+                      <a:r>
+                        <a:rPr lang="en-US" sz="1800" b="0" baseline="0" dirty="0" smtClean="0">
+                          <a:latin typeface="Lato" panose="020F0502020204030203" pitchFamily="34" charset="0"/>
+                        </a:rPr>
+                        <a:t>information</a:t>
                       </a:r>
                     </a:p>
                     <a:p>
